--- a/design.pptx
+++ b/design.pptx
@@ -6,11 +6,12 @@
   </p:sldMasterIdLst>
   <p:sldIdLst>
     <p:sldId id="256" r:id="rId3"/>
+    <p:sldId id="257" r:id="rId4"/>
   </p:sldIdLst>
   <p:sldSz cx="12192000" cy="6858000"/>
   <p:notesSz cx="6858000" cy="9144000"/>
   <p:custDataLst>
-    <p:tags r:id="rId7"/>
+    <p:tags r:id="rId8"/>
   </p:custDataLst>
   <p:defaultTextStyle>
     <a:defPPr>
@@ -3459,6 +3460,163 @@
 </p:sld>
 </file>
 
+<file path=ppt/slides/slide2.xml><?xml version="1.0" encoding="utf-8"?>
+<p:sld xmlns:a="http://schemas.openxmlformats.org/drawingml/2006/main" xmlns:r="http://schemas.openxmlformats.org/officeDocument/2006/relationships" xmlns:p="http://schemas.openxmlformats.org/presentationml/2006/main">
+  <p:cSld>
+    <p:spTree>
+      <p:nvGrpSpPr>
+        <p:cNvPr id="1" name=""/>
+        <p:cNvGrpSpPr/>
+        <p:nvPr/>
+      </p:nvGrpSpPr>
+      <p:grpSpPr/>
+      <p:sp>
+        <p:nvSpPr>
+          <p:cNvPr id="2" name="标题 1"/>
+          <p:cNvSpPr>
+            <a:spLocks noGrp="1"/>
+          </p:cNvSpPr>
+          <p:nvPr>
+            <p:ph type="title"/>
+          </p:nvPr>
+        </p:nvSpPr>
+        <p:spPr/>
+        <p:txBody>
+          <a:bodyPr/>
+          <a:p>
+            <a:r>
+              <a:rPr lang="en-US" altLang="zh-CN">
+                <a:latin typeface="华文楷体" panose="02010600040101010101" charset="-122"/>
+                <a:ea typeface="华文楷体" panose="02010600040101010101" charset="-122"/>
+                <a:cs typeface="华文楷体" panose="02010600040101010101" charset="-122"/>
+              </a:rPr>
+              <a:t>log</a:t>
+            </a:r>
+            <a:r>
+              <a:rPr lang="zh-CN" altLang="en-US">
+                <a:latin typeface="华文楷体" panose="02010600040101010101" charset="-122"/>
+                <a:ea typeface="华文楷体" panose="02010600040101010101" charset="-122"/>
+                <a:cs typeface="华文楷体" panose="02010600040101010101" charset="-122"/>
+              </a:rPr>
+              <a:t>设置</a:t>
+            </a:r>
+            <a:endParaRPr lang="zh-CN" altLang="en-US">
+              <a:latin typeface="华文楷体" panose="02010600040101010101" charset="-122"/>
+              <a:ea typeface="华文楷体" panose="02010600040101010101" charset="-122"/>
+              <a:cs typeface="华文楷体" panose="02010600040101010101" charset="-122"/>
+            </a:endParaRPr>
+          </a:p>
+        </p:txBody>
+      </p:sp>
+      <p:sp>
+        <p:nvSpPr>
+          <p:cNvPr id="3" name="内容占位符 2"/>
+          <p:cNvSpPr>
+            <a:spLocks noGrp="1"/>
+          </p:cNvSpPr>
+          <p:nvPr>
+            <p:ph idx="1"/>
+          </p:nvPr>
+        </p:nvSpPr>
+        <p:spPr/>
+        <p:txBody>
+          <a:bodyPr/>
+          <a:p>
+            <a:r>
+              <a:rPr lang="en-US" altLang="zh-CN">
+                <a:latin typeface="华文楷体" panose="02010600040101010101" charset="-122"/>
+                <a:ea typeface="华文楷体" panose="02010600040101010101" charset="-122"/>
+                <a:cs typeface="华文楷体" panose="02010600040101010101" charset="-122"/>
+              </a:rPr>
+              <a:t>1.</a:t>
+            </a:r>
+            <a:r>
+              <a:rPr lang="zh-CN" altLang="en-US">
+                <a:latin typeface="华文楷体" panose="02010600040101010101" charset="-122"/>
+                <a:ea typeface="华文楷体" panose="02010600040101010101" charset="-122"/>
+                <a:cs typeface="华文楷体" panose="02010600040101010101" charset="-122"/>
+              </a:rPr>
+              <a:t>设置为</a:t>
+            </a:r>
+            <a:r>
+              <a:rPr lang="en-US" altLang="zh-CN">
+                <a:latin typeface="华文楷体" panose="02010600040101010101" charset="-122"/>
+                <a:ea typeface="华文楷体" panose="02010600040101010101" charset="-122"/>
+                <a:cs typeface="华文楷体" panose="02010600040101010101" charset="-122"/>
+              </a:rPr>
+              <a:t>info</a:t>
+            </a:r>
+            <a:r>
+              <a:rPr lang="zh-CN" altLang="en-US">
+                <a:latin typeface="华文楷体" panose="02010600040101010101" charset="-122"/>
+                <a:ea typeface="华文楷体" panose="02010600040101010101" charset="-122"/>
+                <a:cs typeface="华文楷体" panose="02010600040101010101" charset="-122"/>
+              </a:rPr>
+              <a:t>、</a:t>
+            </a:r>
+            <a:r>
+              <a:rPr lang="en-US" altLang="zh-CN">
+                <a:latin typeface="华文楷体" panose="02010600040101010101" charset="-122"/>
+                <a:ea typeface="华文楷体" panose="02010600040101010101" charset="-122"/>
+                <a:cs typeface="华文楷体" panose="02010600040101010101" charset="-122"/>
+              </a:rPr>
+              <a:t>DEBUG</a:t>
+            </a:r>
+            <a:r>
+              <a:rPr lang="zh-CN" altLang="en-US">
+                <a:latin typeface="华文楷体" panose="02010600040101010101" charset="-122"/>
+                <a:ea typeface="华文楷体" panose="02010600040101010101" charset="-122"/>
+                <a:cs typeface="华文楷体" panose="02010600040101010101" charset="-122"/>
+              </a:rPr>
+              <a:t>级别</a:t>
+            </a:r>
+            <a:r>
+              <a:rPr lang="en-US" altLang="zh-CN">
+                <a:latin typeface="华文楷体" panose="02010600040101010101" charset="-122"/>
+                <a:ea typeface="华文楷体" panose="02010600040101010101" charset="-122"/>
+                <a:cs typeface="华文楷体" panose="02010600040101010101" charset="-122"/>
+              </a:rPr>
+              <a:t>.</a:t>
+            </a:r>
+            <a:endParaRPr lang="en-US" altLang="zh-CN">
+              <a:latin typeface="华文楷体" panose="02010600040101010101" charset="-122"/>
+              <a:ea typeface="华文楷体" panose="02010600040101010101" charset="-122"/>
+              <a:cs typeface="华文楷体" panose="02010600040101010101" charset="-122"/>
+            </a:endParaRPr>
+          </a:p>
+          <a:p>
+            <a:r>
+              <a:rPr lang="en-US" altLang="zh-CN">
+                <a:latin typeface="华文楷体" panose="02010600040101010101" charset="-122"/>
+                <a:ea typeface="华文楷体" panose="02010600040101010101" charset="-122"/>
+                <a:cs typeface="华文楷体" panose="02010600040101010101" charset="-122"/>
+              </a:rPr>
+              <a:t>2.</a:t>
+            </a:r>
+            <a:r>
+              <a:rPr lang="zh-CN" altLang="en-US">
+                <a:latin typeface="华文楷体" panose="02010600040101010101" charset="-122"/>
+                <a:ea typeface="华文楷体" panose="02010600040101010101" charset="-122"/>
+                <a:cs typeface="华文楷体" panose="02010600040101010101" charset="-122"/>
+              </a:rPr>
+              <a:t>以模块为单位进行设置</a:t>
+            </a:r>
+            <a:endParaRPr lang="zh-CN" altLang="en-US">
+              <a:latin typeface="华文楷体" panose="02010600040101010101" charset="-122"/>
+              <a:ea typeface="华文楷体" panose="02010600040101010101" charset="-122"/>
+              <a:cs typeface="华文楷体" panose="02010600040101010101" charset="-122"/>
+            </a:endParaRPr>
+          </a:p>
+        </p:txBody>
+      </p:sp>
+    </p:spTree>
+  </p:cSld>
+  <p:clrMapOvr>
+    <a:masterClrMapping/>
+  </p:clrMapOvr>
+</p:sld>
+</file>
+
 <file path=ppt/tags/tag1.xml><?xml version="1.0" encoding="utf-8"?>
 <p:tagLst xmlns:p="http://schemas.openxmlformats.org/presentationml/2006/main">
   <p:tag name="KSO_WM_BEAUTIFY_FLAG" val=""/>
@@ -3486,6 +3644,7 @@
 <file path=ppt/tags/tag5.xml><?xml version="1.0" encoding="utf-8"?>
 <p:tagLst xmlns:p="http://schemas.openxmlformats.org/presentationml/2006/main">
   <p:tag name="COMMONDATA" val="eyJoZGlkIjoiMjhlMTUzMTYwMDJiZTYwZjQxMzI0NzA2Y2MyNTdjYmMifQ=="/>
+  <p:tag name="KSO_WPP_MARK_KEY" val="a0b80bf2-69d7-4aae-a862-380ca17b39ab"/>
 </p:tagLst>
 </file>
 
